--- a/Week1/Week1.pptx
+++ b/Week1/Week1.pptx
@@ -6,7 +6,7 @@
   </p:sldMasterIdLst>
   <p:sldIdLst>
     <p:sldId id="256" r:id="rId2"/>
-    <p:sldId id="257" r:id="rId3"/>
+    <p:sldId id="282" r:id="rId3"/>
     <p:sldId id="258" r:id="rId4"/>
     <p:sldId id="259" r:id="rId5"/>
     <p:sldId id="280" r:id="rId6"/>
@@ -208,7 +208,7 @@
           <a:p>
             <a:fld id="{1D8BD707-D9CF-40AE-B4C6-C98DA3205C09}" type="datetimeFigureOut">
               <a:rPr lang="en-US"/>
-              <a:t>3/19/2025</a:t>
+              <a:t>3/27/2025</a:t>
             </a:fld>
             <a:endParaRPr lang="en-US"/>
           </a:p>
@@ -1407,7 +1407,7 @@
           <a:p>
             <a:fld id="{1D8BD707-D9CF-40AE-B4C6-C98DA3205C09}" type="datetimeFigureOut">
               <a:rPr lang="en-US"/>
-              <a:t>3/19/2025</a:t>
+              <a:t>3/27/2025</a:t>
             </a:fld>
             <a:endParaRPr lang="en-US"/>
           </a:p>
@@ -1621,7 +1621,7 @@
           <a:p>
             <a:fld id="{1D8BD707-D9CF-40AE-B4C6-C98DA3205C09}" type="datetimeFigureOut">
               <a:rPr lang="en-US"/>
-              <a:t>3/19/2025</a:t>
+              <a:t>3/27/2025</a:t>
             </a:fld>
             <a:endParaRPr lang="en-US"/>
           </a:p>
@@ -1769,7 +1769,7 @@
           <a:p>
             <a:fld id="{1D8BD707-D9CF-40AE-B4C6-C98DA3205C09}" type="datetimeFigureOut">
               <a:rPr lang="en-US"/>
-              <a:t>3/19/2025</a:t>
+              <a:t>3/27/2025</a:t>
             </a:fld>
             <a:endParaRPr lang="en-US"/>
           </a:p>
@@ -1888,7 +1888,7 @@
           <a:p>
             <a:fld id="{1D8BD707-D9CF-40AE-B4C6-C98DA3205C09}" type="datetimeFigureOut">
               <a:rPr lang="en-US"/>
-              <a:t>3/19/2025</a:t>
+              <a:t>3/27/2025</a:t>
             </a:fld>
             <a:endParaRPr lang="en-US"/>
           </a:p>
@@ -3077,7 +3077,7 @@
           <a:p>
             <a:fld id="{1D8BD707-D9CF-40AE-B4C6-C98DA3205C09}" type="datetimeFigureOut">
               <a:rPr lang="en-US"/>
-              <a:t>3/19/2025</a:t>
+              <a:t>3/27/2025</a:t>
             </a:fld>
             <a:endParaRPr lang="en-US"/>
           </a:p>
@@ -11119,8 +11119,8 @@
         </p:nvSpPr>
         <p:spPr>
           <a:xfrm>
-            <a:off x="95300" y="59954"/>
-            <a:ext cx="623570" cy="244475"/>
+            <a:off x="81280" y="59954"/>
+            <a:ext cx="623570" cy="232756"/>
           </a:xfrm>
           <a:prstGeom prst="rect">
             <a:avLst/>
@@ -11141,36 +11141,16 @@
               </a:spcBef>
             </a:pPr>
             <a:r>
-              <a:rPr sz="1400" dirty="0">
+              <a:rPr lang="en-US" sz="1400" dirty="0">
                 <a:solidFill>
                   <a:srgbClr val="FFFFFF"/>
                 </a:solidFill>
                 <a:latin typeface="Tahoma"/>
                 <a:cs typeface="Tahoma"/>
               </a:rPr>
-              <a:t>Mục</a:t>
-            </a:r>
-            <a:r>
-              <a:rPr sz="1400" spc="80" dirty="0">
-                <a:solidFill>
-                  <a:srgbClr val="FFFFFF"/>
-                </a:solidFill>
-                <a:latin typeface="Tahoma"/>
-                <a:cs typeface="Tahoma"/>
-              </a:rPr>
-              <a:t> </a:t>
-            </a:r>
-            <a:r>
-              <a:rPr sz="1400" spc="-25" dirty="0">
-                <a:solidFill>
-                  <a:srgbClr val="FFFFFF"/>
-                </a:solidFill>
-                <a:latin typeface="Tahoma"/>
-                <a:cs typeface="Tahoma"/>
-              </a:rPr>
-              <a:t>lục</a:t>
-            </a:r>
-            <a:endParaRPr sz="1400">
+              <a:t>Outline</a:t>
+            </a:r>
+            <a:endParaRPr sz="1400" dirty="0">
               <a:latin typeface="Tahoma"/>
               <a:cs typeface="Tahoma"/>
             </a:endParaRPr>
@@ -11185,8 +11165,8 @@
         </p:nvSpPr>
         <p:spPr>
           <a:xfrm>
-            <a:off x="171450" y="739775"/>
-            <a:ext cx="1211580" cy="535940"/>
+            <a:off x="247650" y="587375"/>
+            <a:ext cx="3733800" cy="2469074"/>
           </a:xfrm>
           <a:prstGeom prst="rect">
             <a:avLst/>
@@ -11213,7 +11193,6 @@
                 </a:solidFill>
                 <a:latin typeface="Tahoma"/>
                 <a:cs typeface="Tahoma"/>
-                <a:hlinkClick r:id="rId2" action="ppaction://hlinksldjump"/>
               </a:rPr>
               <a:t>Week</a:t>
             </a:r>
@@ -11224,24 +11203,679 @@
                 </a:solidFill>
                 <a:latin typeface="Tahoma"/>
                 <a:cs typeface="Tahoma"/>
-                <a:hlinkClick r:id="rId2" action="ppaction://hlinksldjump"/>
-              </a:rPr>
-              <a:t> </a:t>
-            </a:r>
-            <a:r>
-              <a:rPr sz="1100" spc="-50" dirty="0">
+              </a:rPr>
+              <a:t> </a:t>
+            </a:r>
+            <a:r>
+              <a:rPr lang="en-US" sz="1100" spc="-50" dirty="0">
                 <a:solidFill>
                   <a:srgbClr val="FF0000"/>
                 </a:solidFill>
                 <a:latin typeface="Tahoma"/>
                 <a:cs typeface="Tahoma"/>
-                <a:hlinkClick r:id="rId2" action="ppaction://hlinksldjump"/>
               </a:rPr>
               <a:t>1</a:t>
             </a:r>
-            <a:endParaRPr sz="1100" dirty="0">
+          </a:p>
+          <a:p>
+            <a:pPr marL="12700">
+              <a:lnSpc>
+                <a:spcPct val="100000"/>
+              </a:lnSpc>
+              <a:spcBef>
+                <a:spcPts val="90"/>
+              </a:spcBef>
+            </a:pPr>
+            <a:r>
+              <a:rPr lang="en-US" sz="1100" dirty="0" err="1">
+                <a:latin typeface="Tahoma"/>
+                <a:cs typeface="Tahoma"/>
+              </a:rPr>
+              <a:t>Tuần</a:t>
+            </a:r>
+            <a:r>
+              <a:rPr lang="en-US" sz="1100" dirty="0">
+                <a:latin typeface="Tahoma"/>
+                <a:cs typeface="Tahoma"/>
+              </a:rPr>
+              <a:t> </a:t>
+            </a:r>
+            <a:r>
+              <a:rPr lang="en-US" sz="1100" dirty="0" err="1">
+                <a:latin typeface="Tahoma"/>
+                <a:cs typeface="Tahoma"/>
+              </a:rPr>
+              <a:t>thứ</a:t>
+            </a:r>
+            <a:r>
+              <a:rPr lang="en-US" sz="1100" dirty="0">
+                <a:latin typeface="Tahoma"/>
+                <a:cs typeface="Tahoma"/>
+              </a:rPr>
+              <a:t> </a:t>
+            </a:r>
+            <a:r>
+              <a:rPr lang="en-US" sz="1100" dirty="0" err="1">
+                <a:latin typeface="Tahoma"/>
+                <a:cs typeface="Tahoma"/>
+              </a:rPr>
+              <a:t>nhất</a:t>
+            </a:r>
+            <a:r>
+              <a:rPr lang="en-US" sz="1100" dirty="0">
+                <a:latin typeface="Tahoma"/>
+                <a:cs typeface="Tahoma"/>
+              </a:rPr>
+              <a:t> </a:t>
+            </a:r>
+            <a:r>
+              <a:rPr lang="en-US" sz="1100" dirty="0" err="1">
+                <a:latin typeface="Tahoma"/>
+                <a:cs typeface="Tahoma"/>
+              </a:rPr>
+              <a:t>em</a:t>
+            </a:r>
+            <a:r>
+              <a:rPr lang="en-US" sz="1100" dirty="0">
+                <a:latin typeface="Tahoma"/>
+                <a:cs typeface="Tahoma"/>
+              </a:rPr>
+              <a:t> </a:t>
+            </a:r>
+            <a:r>
+              <a:rPr lang="en-US" sz="1100" dirty="0" err="1">
+                <a:latin typeface="Tahoma"/>
+                <a:cs typeface="Tahoma"/>
+              </a:rPr>
+              <a:t>đã</a:t>
+            </a:r>
+            <a:r>
+              <a:rPr lang="en-US" sz="1100" dirty="0">
+                <a:latin typeface="Tahoma"/>
+                <a:cs typeface="Tahoma"/>
+              </a:rPr>
+              <a:t>:</a:t>
+            </a:r>
+          </a:p>
+          <a:p>
+            <a:pPr marL="184150" indent="-171450">
+              <a:lnSpc>
+                <a:spcPct val="100000"/>
+              </a:lnSpc>
+              <a:spcBef>
+                <a:spcPts val="90"/>
+              </a:spcBef>
+              <a:buFont typeface="Arial" panose="020B0604020202020204" pitchFamily="34" charset="0"/>
+              <a:buChar char="•"/>
+            </a:pPr>
+            <a:r>
+              <a:rPr lang="vi-VN" sz="1100" dirty="0">
+                <a:latin typeface="Tahoma"/>
+                <a:cs typeface="Tahoma"/>
+              </a:rPr>
+              <a:t>Tìm hiểu </a:t>
+            </a:r>
+            <a:r>
+              <a:rPr lang="en-US" sz="1100" dirty="0" err="1">
+                <a:latin typeface="Tahoma"/>
+                <a:cs typeface="Tahoma"/>
+              </a:rPr>
+              <a:t>những</a:t>
+            </a:r>
+            <a:r>
+              <a:rPr lang="en-US" sz="1100" dirty="0">
+                <a:latin typeface="Tahoma"/>
+                <a:cs typeface="Tahoma"/>
+              </a:rPr>
+              <a:t> </a:t>
+            </a:r>
+            <a:r>
+              <a:rPr lang="en-US" sz="1100" dirty="0" err="1">
+                <a:latin typeface="Tahoma"/>
+                <a:cs typeface="Tahoma"/>
+              </a:rPr>
+              <a:t>kiến</a:t>
+            </a:r>
+            <a:r>
+              <a:rPr lang="en-US" sz="1100" dirty="0">
+                <a:latin typeface="Tahoma"/>
+                <a:cs typeface="Tahoma"/>
+              </a:rPr>
+              <a:t> </a:t>
+            </a:r>
+            <a:r>
+              <a:rPr lang="en-US" sz="1100" dirty="0" err="1">
+                <a:latin typeface="Tahoma"/>
+                <a:cs typeface="Tahoma"/>
+              </a:rPr>
+              <a:t>thức</a:t>
+            </a:r>
+            <a:r>
+              <a:rPr lang="en-US" sz="1100" dirty="0">
+                <a:latin typeface="Tahoma"/>
+                <a:cs typeface="Tahoma"/>
+              </a:rPr>
+              <a:t> </a:t>
+            </a:r>
+            <a:r>
+              <a:rPr lang="en-US" sz="1100" dirty="0" err="1">
+                <a:latin typeface="Tahoma"/>
+                <a:cs typeface="Tahoma"/>
+              </a:rPr>
+              <a:t>cơ</a:t>
+            </a:r>
+            <a:r>
+              <a:rPr lang="en-US" sz="1100" dirty="0">
+                <a:latin typeface="Tahoma"/>
+                <a:cs typeface="Tahoma"/>
+              </a:rPr>
+              <a:t> </a:t>
+            </a:r>
+            <a:r>
+              <a:rPr lang="en-US" sz="1100" dirty="0" err="1">
+                <a:latin typeface="Tahoma"/>
+                <a:cs typeface="Tahoma"/>
+              </a:rPr>
+              <a:t>bản</a:t>
+            </a:r>
+            <a:r>
+              <a:rPr lang="vi-VN" sz="1100" dirty="0">
+                <a:latin typeface="Tahoma"/>
+                <a:cs typeface="Tahoma"/>
+              </a:rPr>
+              <a:t> trong Rust.</a:t>
+            </a:r>
+            <a:endParaRPr lang="en-US" sz="1100" dirty="0">
               <a:latin typeface="Tahoma"/>
               <a:cs typeface="Tahoma"/>
+            </a:endParaRPr>
+          </a:p>
+          <a:p>
+            <a:pPr marL="184150" indent="-171450">
+              <a:lnSpc>
+                <a:spcPct val="100000"/>
+              </a:lnSpc>
+              <a:spcBef>
+                <a:spcPts val="90"/>
+              </a:spcBef>
+              <a:buFont typeface="Arial" panose="020B0604020202020204" pitchFamily="34" charset="0"/>
+              <a:buChar char="•"/>
+            </a:pPr>
+            <a:r>
+              <a:rPr lang="en-US" sz="1100" dirty="0" err="1">
+                <a:latin typeface="Tahoma"/>
+                <a:cs typeface="Tahoma"/>
+              </a:rPr>
+              <a:t>Tìm</a:t>
+            </a:r>
+            <a:r>
+              <a:rPr lang="en-US" sz="1100" dirty="0">
+                <a:latin typeface="Tahoma"/>
+                <a:cs typeface="Tahoma"/>
+              </a:rPr>
+              <a:t> </a:t>
+            </a:r>
+            <a:r>
+              <a:rPr lang="en-US" sz="1100" dirty="0" err="1">
+                <a:latin typeface="Tahoma"/>
+                <a:cs typeface="Tahoma"/>
+              </a:rPr>
+              <a:t>hiểu</a:t>
+            </a:r>
+            <a:r>
+              <a:rPr lang="en-US" sz="1100" dirty="0">
+                <a:latin typeface="Tahoma"/>
+                <a:cs typeface="Tahoma"/>
+              </a:rPr>
+              <a:t> </a:t>
+            </a:r>
+            <a:r>
+              <a:rPr lang="en-US" sz="1100" dirty="0" err="1">
+                <a:latin typeface="Tahoma"/>
+                <a:cs typeface="Tahoma"/>
+              </a:rPr>
+              <a:t>về</a:t>
+            </a:r>
+            <a:r>
+              <a:rPr lang="en-US" sz="1100" dirty="0">
+                <a:latin typeface="Tahoma"/>
+                <a:cs typeface="Tahoma"/>
+              </a:rPr>
+              <a:t> </a:t>
+            </a:r>
+            <a:r>
+              <a:rPr lang="en-US" sz="1100" dirty="0" err="1">
+                <a:latin typeface="Tahoma"/>
+                <a:cs typeface="Tahoma"/>
+              </a:rPr>
+              <a:t>các</a:t>
+            </a:r>
+            <a:r>
+              <a:rPr lang="en-US" sz="1100" dirty="0">
+                <a:latin typeface="Tahoma"/>
+                <a:cs typeface="Tahoma"/>
+              </a:rPr>
+              <a:t> </a:t>
+            </a:r>
+            <a:r>
+              <a:rPr lang="en-US" sz="1100" dirty="0" err="1">
+                <a:latin typeface="Tahoma"/>
+                <a:cs typeface="Tahoma"/>
+              </a:rPr>
+              <a:t>loại</a:t>
+            </a:r>
+            <a:r>
+              <a:rPr lang="en-US" sz="1100" dirty="0">
+                <a:latin typeface="Tahoma"/>
+                <a:cs typeface="Tahoma"/>
+              </a:rPr>
+              <a:t> </a:t>
+            </a:r>
+            <a:r>
+              <a:rPr lang="en-US" sz="1100" dirty="0" err="1">
+                <a:latin typeface="Tahoma"/>
+                <a:cs typeface="Tahoma"/>
+              </a:rPr>
+              <a:t>tấn</a:t>
+            </a:r>
+            <a:r>
+              <a:rPr lang="en-US" sz="1100" dirty="0">
+                <a:latin typeface="Tahoma"/>
+                <a:cs typeface="Tahoma"/>
+              </a:rPr>
+              <a:t> </a:t>
+            </a:r>
+            <a:r>
+              <a:rPr lang="en-US" sz="1100" dirty="0" err="1">
+                <a:latin typeface="Tahoma"/>
+                <a:cs typeface="Tahoma"/>
+              </a:rPr>
+              <a:t>công</a:t>
+            </a:r>
+            <a:r>
+              <a:rPr lang="en-US" sz="1100" dirty="0">
+                <a:latin typeface="Tahoma"/>
+                <a:cs typeface="Tahoma"/>
+              </a:rPr>
+              <a:t> </a:t>
+            </a:r>
+            <a:r>
+              <a:rPr lang="en-US" sz="1100" dirty="0" err="1">
+                <a:latin typeface="Tahoma"/>
+                <a:cs typeface="Tahoma"/>
+              </a:rPr>
+              <a:t>mạng</a:t>
+            </a:r>
+            <a:r>
+              <a:rPr lang="en-US" sz="1100" dirty="0">
+                <a:latin typeface="Tahoma"/>
+                <a:cs typeface="Tahoma"/>
+              </a:rPr>
+              <a:t>.</a:t>
+            </a:r>
+            <a:endParaRPr lang="vi-VN" sz="1100" dirty="0">
+              <a:latin typeface="Tahoma"/>
+              <a:cs typeface="Tahoma"/>
+            </a:endParaRPr>
+          </a:p>
+          <a:p>
+            <a:pPr marL="184150" indent="-171450">
+              <a:spcBef>
+                <a:spcPts val="90"/>
+              </a:spcBef>
+              <a:buFont typeface="Arial" panose="020B0604020202020204" pitchFamily="34" charset="0"/>
+              <a:buChar char="•"/>
+            </a:pPr>
+            <a:r>
+              <a:rPr lang="vi-VN" sz="1100" dirty="0">
+                <a:latin typeface="Tahoma"/>
+                <a:cs typeface="Tahoma"/>
+              </a:rPr>
+              <a:t>Áp dụng </a:t>
+            </a:r>
+            <a:r>
+              <a:rPr lang="en-US" sz="1100" dirty="0" err="1">
+                <a:latin typeface="Tahoma"/>
+                <a:cs typeface="Tahoma"/>
+              </a:rPr>
+              <a:t>kiến</a:t>
+            </a:r>
+            <a:r>
+              <a:rPr lang="en-US" sz="1100" dirty="0">
+                <a:latin typeface="Tahoma"/>
+                <a:cs typeface="Tahoma"/>
+              </a:rPr>
+              <a:t> </a:t>
+            </a:r>
+            <a:r>
+              <a:rPr lang="en-US" sz="1100" dirty="0" err="1">
+                <a:latin typeface="Tahoma"/>
+                <a:cs typeface="Tahoma"/>
+              </a:rPr>
+              <a:t>thức</a:t>
+            </a:r>
+            <a:r>
+              <a:rPr lang="en-US" sz="1100" dirty="0">
+                <a:latin typeface="Tahoma"/>
+                <a:cs typeface="Tahoma"/>
+              </a:rPr>
+              <a:t> </a:t>
+            </a:r>
+            <a:r>
+              <a:rPr lang="en-US" sz="1100" dirty="0" err="1">
+                <a:latin typeface="Tahoma"/>
+                <a:cs typeface="Tahoma"/>
+              </a:rPr>
+              <a:t>để</a:t>
+            </a:r>
+            <a:r>
+              <a:rPr lang="en-US" sz="1100" dirty="0">
+                <a:latin typeface="Tahoma"/>
+                <a:cs typeface="Tahoma"/>
+              </a:rPr>
+              <a:t> </a:t>
+            </a:r>
+            <a:r>
+              <a:rPr lang="en-US" sz="1100" dirty="0" err="1">
+                <a:latin typeface="Tahoma" panose="020B0604030504040204" pitchFamily="34" charset="0"/>
+                <a:ea typeface="Tahoma" panose="020B0604030504040204" pitchFamily="34" charset="0"/>
+                <a:cs typeface="Tahoma" panose="020B0604030504040204" pitchFamily="34" charset="0"/>
+              </a:rPr>
+              <a:t>viết</a:t>
+            </a:r>
+            <a:r>
+              <a:rPr lang="en-US" sz="1100" dirty="0">
+                <a:latin typeface="Tahoma" panose="020B0604030504040204" pitchFamily="34" charset="0"/>
+                <a:ea typeface="Tahoma" panose="020B0604030504040204" pitchFamily="34" charset="0"/>
+                <a:cs typeface="Tahoma" panose="020B0604030504040204" pitchFamily="34" charset="0"/>
+              </a:rPr>
+              <a:t> </a:t>
+            </a:r>
+            <a:r>
+              <a:rPr lang="en-US" sz="1100" dirty="0" err="1">
+                <a:latin typeface="Tahoma" panose="020B0604030504040204" pitchFamily="34" charset="0"/>
+                <a:ea typeface="Tahoma" panose="020B0604030504040204" pitchFamily="34" charset="0"/>
+                <a:cs typeface="Tahoma" panose="020B0604030504040204" pitchFamily="34" charset="0"/>
+              </a:rPr>
+              <a:t>đoạn</a:t>
+            </a:r>
+            <a:r>
+              <a:rPr lang="en-US" sz="1100" dirty="0">
+                <a:latin typeface="Tahoma" panose="020B0604030504040204" pitchFamily="34" charset="0"/>
+                <a:ea typeface="Tahoma" panose="020B0604030504040204" pitchFamily="34" charset="0"/>
+                <a:cs typeface="Tahoma" panose="020B0604030504040204" pitchFamily="34" charset="0"/>
+              </a:rPr>
+              <a:t> code </a:t>
+            </a:r>
+            <a:r>
+              <a:rPr lang="en-US" sz="1100" dirty="0" err="1">
+                <a:latin typeface="Tahoma" panose="020B0604030504040204" pitchFamily="34" charset="0"/>
+                <a:ea typeface="Tahoma" panose="020B0604030504040204" pitchFamily="34" charset="0"/>
+                <a:cs typeface="Tahoma" panose="020B0604030504040204" pitchFamily="34" charset="0"/>
+              </a:rPr>
+              <a:t>sinh</a:t>
+            </a:r>
+            <a:r>
+              <a:rPr lang="en-US" sz="1100" dirty="0">
+                <a:latin typeface="Tahoma" panose="020B0604030504040204" pitchFamily="34" charset="0"/>
+                <a:ea typeface="Tahoma" panose="020B0604030504040204" pitchFamily="34" charset="0"/>
+                <a:cs typeface="Tahoma" panose="020B0604030504040204" pitchFamily="34" charset="0"/>
+              </a:rPr>
+              <a:t> </a:t>
+            </a:r>
+            <a:r>
+              <a:rPr lang="en-US" sz="1100" dirty="0" err="1">
+                <a:latin typeface="Tahoma" panose="020B0604030504040204" pitchFamily="34" charset="0"/>
+                <a:ea typeface="Tahoma" panose="020B0604030504040204" pitchFamily="34" charset="0"/>
+                <a:cs typeface="Tahoma" panose="020B0604030504040204" pitchFamily="34" charset="0"/>
+              </a:rPr>
+              <a:t>mã</a:t>
+            </a:r>
+            <a:r>
+              <a:rPr lang="en-US" sz="1100" dirty="0">
+                <a:latin typeface="Tahoma" panose="020B0604030504040204" pitchFamily="34" charset="0"/>
+                <a:ea typeface="Tahoma" panose="020B0604030504040204" pitchFamily="34" charset="0"/>
+                <a:cs typeface="Tahoma" panose="020B0604030504040204" pitchFamily="34" charset="0"/>
+              </a:rPr>
+              <a:t> </a:t>
+            </a:r>
+            <a:r>
+              <a:rPr lang="en-US" sz="1100" dirty="0" err="1">
+                <a:latin typeface="Tahoma" panose="020B0604030504040204" pitchFamily="34" charset="0"/>
+                <a:ea typeface="Tahoma" panose="020B0604030504040204" pitchFamily="34" charset="0"/>
+                <a:cs typeface="Tahoma" panose="020B0604030504040204" pitchFamily="34" charset="0"/>
+              </a:rPr>
+              <a:t>băm</a:t>
+            </a:r>
+            <a:r>
+              <a:rPr lang="en-US" sz="1100" dirty="0">
+                <a:latin typeface="Tahoma" panose="020B0604030504040204" pitchFamily="34" charset="0"/>
+                <a:ea typeface="Tahoma" panose="020B0604030504040204" pitchFamily="34" charset="0"/>
+                <a:cs typeface="Tahoma" panose="020B0604030504040204" pitchFamily="34" charset="0"/>
+              </a:rPr>
+              <a:t> sha-256 </a:t>
+            </a:r>
+            <a:r>
+              <a:rPr lang="en-US" sz="1100" dirty="0" err="1">
+                <a:latin typeface="Tahoma" panose="020B0604030504040204" pitchFamily="34" charset="0"/>
+                <a:ea typeface="Tahoma" panose="020B0604030504040204" pitchFamily="34" charset="0"/>
+                <a:cs typeface="Tahoma" panose="020B0604030504040204" pitchFamily="34" charset="0"/>
+              </a:rPr>
+              <a:t>cho</a:t>
+            </a:r>
+            <a:r>
+              <a:rPr lang="en-US" sz="1100" dirty="0">
+                <a:latin typeface="Tahoma" panose="020B0604030504040204" pitchFamily="34" charset="0"/>
+                <a:ea typeface="Tahoma" panose="020B0604030504040204" pitchFamily="34" charset="0"/>
+                <a:cs typeface="Tahoma" panose="020B0604030504040204" pitchFamily="34" charset="0"/>
+              </a:rPr>
+              <a:t> 1 file.</a:t>
+            </a:r>
+            <a:endParaRPr lang="vi-VN" sz="1100" dirty="0">
+              <a:latin typeface="Tahoma"/>
+              <a:cs typeface="Tahoma"/>
+            </a:endParaRPr>
+          </a:p>
+          <a:p>
+            <a:pPr marL="184150" indent="-171450">
+              <a:spcBef>
+                <a:spcPts val="90"/>
+              </a:spcBef>
+              <a:buFont typeface="Arial" panose="020B0604020202020204" pitchFamily="34" charset="0"/>
+              <a:buChar char="•"/>
+            </a:pPr>
+            <a:r>
+              <a:rPr lang="en-US" sz="1100" spc="-25" dirty="0" err="1">
+                <a:latin typeface="Tahoma" panose="020B0604030504040204" pitchFamily="34" charset="0"/>
+                <a:ea typeface="Tahoma" panose="020B0604030504040204" pitchFamily="34" charset="0"/>
+                <a:cs typeface="Tahoma" panose="020B0604030504040204" pitchFamily="34" charset="0"/>
+              </a:rPr>
+              <a:t>Viết</a:t>
+            </a:r>
+            <a:r>
+              <a:rPr lang="en-US" sz="1100" spc="-25" dirty="0">
+                <a:latin typeface="Tahoma" panose="020B0604030504040204" pitchFamily="34" charset="0"/>
+                <a:ea typeface="Tahoma" panose="020B0604030504040204" pitchFamily="34" charset="0"/>
+                <a:cs typeface="Tahoma" panose="020B0604030504040204" pitchFamily="34" charset="0"/>
+              </a:rPr>
+              <a:t> </a:t>
+            </a:r>
+            <a:r>
+              <a:rPr lang="en-US" sz="1100" spc="-25" dirty="0" err="1">
+                <a:latin typeface="Tahoma" panose="020B0604030504040204" pitchFamily="34" charset="0"/>
+                <a:ea typeface="Tahoma" panose="020B0604030504040204" pitchFamily="34" charset="0"/>
+                <a:cs typeface="Tahoma" panose="020B0604030504040204" pitchFamily="34" charset="0"/>
+              </a:rPr>
+              <a:t>đoạn</a:t>
+            </a:r>
+            <a:r>
+              <a:rPr lang="en-US" sz="1100" spc="-25" dirty="0">
+                <a:latin typeface="Tahoma" panose="020B0604030504040204" pitchFamily="34" charset="0"/>
+                <a:ea typeface="Tahoma" panose="020B0604030504040204" pitchFamily="34" charset="0"/>
+                <a:cs typeface="Tahoma" panose="020B0604030504040204" pitchFamily="34" charset="0"/>
+              </a:rPr>
+              <a:t> code </a:t>
+            </a:r>
+            <a:r>
+              <a:rPr lang="en-US" sz="1100" spc="-25" dirty="0" err="1">
+                <a:latin typeface="Tahoma" panose="020B0604030504040204" pitchFamily="34" charset="0"/>
+                <a:ea typeface="Tahoma" panose="020B0604030504040204" pitchFamily="34" charset="0"/>
+                <a:cs typeface="Tahoma" panose="020B0604030504040204" pitchFamily="34" charset="0"/>
+              </a:rPr>
+              <a:t>để</a:t>
+            </a:r>
+            <a:r>
+              <a:rPr lang="en-US" sz="1100" spc="-25" dirty="0">
+                <a:latin typeface="Tahoma" panose="020B0604030504040204" pitchFamily="34" charset="0"/>
+                <a:ea typeface="Tahoma" panose="020B0604030504040204" pitchFamily="34" charset="0"/>
+                <a:cs typeface="Tahoma" panose="020B0604030504040204" pitchFamily="34" charset="0"/>
+              </a:rPr>
+              <a:t> </a:t>
+            </a:r>
+            <a:r>
+              <a:rPr lang="en-US" sz="1100" spc="-25" dirty="0" err="1">
+                <a:latin typeface="Tahoma" panose="020B0604030504040204" pitchFamily="34" charset="0"/>
+                <a:ea typeface="Tahoma" panose="020B0604030504040204" pitchFamily="34" charset="0"/>
+                <a:cs typeface="Tahoma" panose="020B0604030504040204" pitchFamily="34" charset="0"/>
+              </a:rPr>
+              <a:t>kiểm</a:t>
+            </a:r>
+            <a:r>
+              <a:rPr lang="en-US" sz="1100" spc="-25" dirty="0">
+                <a:latin typeface="Tahoma" panose="020B0604030504040204" pitchFamily="34" charset="0"/>
+                <a:ea typeface="Tahoma" panose="020B0604030504040204" pitchFamily="34" charset="0"/>
+                <a:cs typeface="Tahoma" panose="020B0604030504040204" pitchFamily="34" charset="0"/>
+              </a:rPr>
+              <a:t> </a:t>
+            </a:r>
+            <a:r>
+              <a:rPr lang="en-US" sz="1100" spc="-25" dirty="0" err="1">
+                <a:latin typeface="Tahoma" panose="020B0604030504040204" pitchFamily="34" charset="0"/>
+                <a:ea typeface="Tahoma" panose="020B0604030504040204" pitchFamily="34" charset="0"/>
+                <a:cs typeface="Tahoma" panose="020B0604030504040204" pitchFamily="34" charset="0"/>
+              </a:rPr>
+              <a:t>tra</a:t>
+            </a:r>
+            <a:r>
+              <a:rPr lang="en-US" sz="1100" spc="-25" dirty="0">
+                <a:latin typeface="Tahoma" panose="020B0604030504040204" pitchFamily="34" charset="0"/>
+                <a:ea typeface="Tahoma" panose="020B0604030504040204" pitchFamily="34" charset="0"/>
+                <a:cs typeface="Tahoma" panose="020B0604030504040204" pitchFamily="34" charset="0"/>
+              </a:rPr>
+              <a:t> 1 password </a:t>
+            </a:r>
+            <a:r>
+              <a:rPr lang="en-US" sz="1100" spc="-25" dirty="0" err="1">
+                <a:latin typeface="Tahoma" panose="020B0604030504040204" pitchFamily="34" charset="0"/>
+                <a:ea typeface="Tahoma" panose="020B0604030504040204" pitchFamily="34" charset="0"/>
+                <a:cs typeface="Tahoma" panose="020B0604030504040204" pitchFamily="34" charset="0"/>
+              </a:rPr>
+              <a:t>được</a:t>
+            </a:r>
+            <a:r>
+              <a:rPr lang="en-US" sz="1100" spc="-25" dirty="0">
+                <a:latin typeface="Tahoma" panose="020B0604030504040204" pitchFamily="34" charset="0"/>
+                <a:ea typeface="Tahoma" panose="020B0604030504040204" pitchFamily="34" charset="0"/>
+                <a:cs typeface="Tahoma" panose="020B0604030504040204" pitchFamily="34" charset="0"/>
+              </a:rPr>
+              <a:t> </a:t>
+            </a:r>
+            <a:r>
+              <a:rPr lang="en-US" sz="1100" spc="-25" dirty="0" err="1">
+                <a:latin typeface="Tahoma" panose="020B0604030504040204" pitchFamily="34" charset="0"/>
+                <a:ea typeface="Tahoma" panose="020B0604030504040204" pitchFamily="34" charset="0"/>
+                <a:cs typeface="Tahoma" panose="020B0604030504040204" pitchFamily="34" charset="0"/>
+              </a:rPr>
+              <a:t>băm</a:t>
+            </a:r>
+            <a:r>
+              <a:rPr lang="en-US" sz="1100" spc="-25" dirty="0">
+                <a:latin typeface="Tahoma" panose="020B0604030504040204" pitchFamily="34" charset="0"/>
+                <a:ea typeface="Tahoma" panose="020B0604030504040204" pitchFamily="34" charset="0"/>
+                <a:cs typeface="Tahoma" panose="020B0604030504040204" pitchFamily="34" charset="0"/>
+              </a:rPr>
+              <a:t> </a:t>
+            </a:r>
+            <a:r>
+              <a:rPr lang="en-US" sz="1100" spc="-25" dirty="0" err="1">
+                <a:latin typeface="Tahoma" panose="020B0604030504040204" pitchFamily="34" charset="0"/>
+                <a:ea typeface="Tahoma" panose="020B0604030504040204" pitchFamily="34" charset="0"/>
+                <a:cs typeface="Tahoma" panose="020B0604030504040204" pitchFamily="34" charset="0"/>
+              </a:rPr>
+              <a:t>bằng</a:t>
+            </a:r>
+            <a:r>
+              <a:rPr lang="en-US" sz="1100" spc="-25" dirty="0">
+                <a:latin typeface="Tahoma" panose="020B0604030504040204" pitchFamily="34" charset="0"/>
+                <a:ea typeface="Tahoma" panose="020B0604030504040204" pitchFamily="34" charset="0"/>
+                <a:cs typeface="Tahoma" panose="020B0604030504040204" pitchFamily="34" charset="0"/>
+              </a:rPr>
+              <a:t> SHA-256 </a:t>
+            </a:r>
+            <a:r>
+              <a:rPr lang="en-US" sz="1100" spc="-25" dirty="0" err="1">
+                <a:latin typeface="Tahoma" panose="020B0604030504040204" pitchFamily="34" charset="0"/>
+                <a:ea typeface="Tahoma" panose="020B0604030504040204" pitchFamily="34" charset="0"/>
+                <a:cs typeface="Tahoma" panose="020B0604030504040204" pitchFamily="34" charset="0"/>
+              </a:rPr>
+              <a:t>có</a:t>
+            </a:r>
+            <a:r>
+              <a:rPr lang="en-US" sz="1100" spc="-25" dirty="0">
+                <a:latin typeface="Tahoma" panose="020B0604030504040204" pitchFamily="34" charset="0"/>
+                <a:ea typeface="Tahoma" panose="020B0604030504040204" pitchFamily="34" charset="0"/>
+                <a:cs typeface="Tahoma" panose="020B0604030504040204" pitchFamily="34" charset="0"/>
+              </a:rPr>
+              <a:t> </a:t>
+            </a:r>
+            <a:r>
+              <a:rPr lang="en-US" sz="1100" spc="-25" dirty="0" err="1">
+                <a:latin typeface="Tahoma" panose="020B0604030504040204" pitchFamily="34" charset="0"/>
+                <a:ea typeface="Tahoma" panose="020B0604030504040204" pitchFamily="34" charset="0"/>
+                <a:cs typeface="Tahoma" panose="020B0604030504040204" pitchFamily="34" charset="0"/>
+              </a:rPr>
+              <a:t>trong</a:t>
+            </a:r>
+            <a:r>
+              <a:rPr lang="en-US" sz="1100" spc="-25" dirty="0">
+                <a:latin typeface="Tahoma" panose="020B0604030504040204" pitchFamily="34" charset="0"/>
+                <a:ea typeface="Tahoma" panose="020B0604030504040204" pitchFamily="34" charset="0"/>
+                <a:cs typeface="Tahoma" panose="020B0604030504040204" pitchFamily="34" charset="0"/>
+              </a:rPr>
+              <a:t> wordlist.txt </a:t>
+            </a:r>
+            <a:r>
+              <a:rPr lang="en-US" sz="1100" spc="-25" dirty="0" err="1">
+                <a:latin typeface="Tahoma" panose="020B0604030504040204" pitchFamily="34" charset="0"/>
+                <a:ea typeface="Tahoma" panose="020B0604030504040204" pitchFamily="34" charset="0"/>
+                <a:cs typeface="Tahoma" panose="020B0604030504040204" pitchFamily="34" charset="0"/>
+              </a:rPr>
+              <a:t>không</a:t>
+            </a:r>
+            <a:r>
+              <a:rPr lang="en-US" sz="1100" spc="-25" dirty="0">
+                <a:latin typeface="Tahoma" panose="020B0604030504040204" pitchFamily="34" charset="0"/>
+                <a:ea typeface="Tahoma" panose="020B0604030504040204" pitchFamily="34" charset="0"/>
+                <a:cs typeface="Tahoma" panose="020B0604030504040204" pitchFamily="34" charset="0"/>
+              </a:rPr>
+              <a:t>.</a:t>
+            </a:r>
+          </a:p>
+          <a:p>
+            <a:pPr marL="184150" indent="-171450">
+              <a:lnSpc>
+                <a:spcPct val="100000"/>
+              </a:lnSpc>
+              <a:spcBef>
+                <a:spcPts val="90"/>
+              </a:spcBef>
+              <a:buFont typeface="Arial" panose="020B0604020202020204" pitchFamily="34" charset="0"/>
+              <a:buChar char="•"/>
+            </a:pPr>
+            <a:endParaRPr lang="vi-VN" sz="1100" spc="-55" dirty="0">
+              <a:latin typeface="Tahoma"/>
+              <a:cs typeface="Tahoma"/>
+              <a:hlinkClick r:id="rId2" action="ppaction://hlinksldjump"/>
             </a:endParaRPr>
           </a:p>
           <a:p>
@@ -11251,75 +11885,72 @@
               </a:lnSpc>
             </a:pPr>
             <a:r>
-              <a:rPr sz="1100" spc="-10" dirty="0">
+              <a:rPr lang="en-US" sz="1100" spc="-55" dirty="0">
                 <a:latin typeface="Tahoma"/>
                 <a:cs typeface="Tahoma"/>
                 <a:hlinkClick r:id="rId2" action="ppaction://hlinksldjump"/>
               </a:rPr>
-              <a:t>Rust</a:t>
-            </a:r>
-            <a:r>
-              <a:rPr sz="1100" spc="-55" dirty="0">
-                <a:latin typeface="Tahoma"/>
-                <a:cs typeface="Tahoma"/>
-                <a:hlinkClick r:id="rId2" action="ppaction://hlinksldjump"/>
-              </a:rPr>
-              <a:t> </a:t>
-            </a:r>
-            <a:r>
-              <a:rPr sz="1100" spc="-10" dirty="0">
-                <a:latin typeface="Tahoma"/>
-                <a:cs typeface="Tahoma"/>
-                <a:hlinkClick r:id="rId2" action="ppaction://hlinksldjump"/>
-              </a:rPr>
-              <a:t>Basics</a:t>
-            </a:r>
-            <a:r>
-              <a:rPr sz="1100" spc="-10" dirty="0">
-                <a:latin typeface="Tahoma"/>
-                <a:cs typeface="Tahoma"/>
-              </a:rPr>
-              <a:t> </a:t>
-            </a:r>
-            <a:r>
-              <a:rPr sz="1100" spc="-35" dirty="0">
+              <a:t>Rust Basics</a:t>
+            </a:r>
+            <a:endParaRPr lang="en-US" sz="1100" spc="-55" dirty="0">
+              <a:latin typeface="Tahoma"/>
+              <a:cs typeface="Tahoma"/>
+            </a:endParaRPr>
+          </a:p>
+          <a:p>
+            <a:pPr marL="220345" marR="5080">
+              <a:lnSpc>
+                <a:spcPct val="102600"/>
+              </a:lnSpc>
+            </a:pPr>
+            <a:endParaRPr lang="en-US" sz="1100" spc="-55" dirty="0">
+              <a:latin typeface="Tahoma"/>
+              <a:cs typeface="Tahoma"/>
+            </a:endParaRPr>
+          </a:p>
+          <a:p>
+            <a:pPr marL="220345" marR="5080">
+              <a:lnSpc>
+                <a:spcPct val="102600"/>
+              </a:lnSpc>
+            </a:pPr>
+            <a:r>
+              <a:rPr lang="en-US" sz="1100" spc="-55" dirty="0">
                 <a:latin typeface="Tahoma"/>
                 <a:cs typeface="Tahoma"/>
                 <a:hlinkClick r:id="rId3" action="ppaction://hlinksldjump"/>
               </a:rPr>
-              <a:t>Types</a:t>
-            </a:r>
-            <a:r>
-              <a:rPr sz="1100" spc="-55" dirty="0">
-                <a:latin typeface="Tahoma"/>
-                <a:cs typeface="Tahoma"/>
-                <a:hlinkClick r:id="rId3" action="ppaction://hlinksldjump"/>
-              </a:rPr>
-              <a:t> </a:t>
-            </a:r>
-            <a:r>
-              <a:rPr sz="1100" dirty="0">
-                <a:latin typeface="Tahoma"/>
-                <a:cs typeface="Tahoma"/>
-                <a:hlinkClick r:id="rId3" action="ppaction://hlinksldjump"/>
-              </a:rPr>
-              <a:t>of</a:t>
-            </a:r>
-            <a:r>
-              <a:rPr sz="1100" spc="-55" dirty="0">
-                <a:latin typeface="Tahoma"/>
-                <a:cs typeface="Tahoma"/>
-                <a:hlinkClick r:id="rId3" action="ppaction://hlinksldjump"/>
-              </a:rPr>
-              <a:t> </a:t>
-            </a:r>
-            <a:r>
-              <a:rPr sz="1100" spc="-20" dirty="0">
-                <a:latin typeface="Tahoma"/>
-                <a:cs typeface="Tahoma"/>
-                <a:hlinkClick r:id="rId3" action="ppaction://hlinksldjump"/>
-              </a:rPr>
-              <a:t>Attacks</a:t>
+              <a:t>Type of Attacks</a:t>
+            </a:r>
+            <a:endParaRPr lang="en-US" sz="1100" spc="-55" dirty="0">
+              <a:latin typeface="Tahoma"/>
+              <a:cs typeface="Tahoma"/>
+            </a:endParaRPr>
+          </a:p>
+          <a:p>
+            <a:pPr marL="220345" marR="5080">
+              <a:lnSpc>
+                <a:spcPct val="102600"/>
+              </a:lnSpc>
+            </a:pPr>
+            <a:endParaRPr lang="en-US" sz="1100" spc="-55" dirty="0">
+              <a:latin typeface="Tahoma"/>
+              <a:cs typeface="Tahoma"/>
+            </a:endParaRPr>
+          </a:p>
+          <a:p>
+            <a:pPr marL="220345" marR="5080">
+              <a:lnSpc>
+                <a:spcPct val="102600"/>
+              </a:lnSpc>
+            </a:pPr>
+            <a:r>
+              <a:rPr lang="en-US" sz="1100" spc="-55" dirty="0">
+                <a:latin typeface="Tahoma"/>
+                <a:cs typeface="Tahoma"/>
+                <a:hlinkClick r:id="rId4"/>
+              </a:rPr>
+              <a:t>Code</a:t>
             </a:r>
             <a:endParaRPr sz="1100" dirty="0">
               <a:latin typeface="Tahoma"/>
@@ -11343,15 +11974,15 @@
           <p:nvPr/>
         </p:nvPicPr>
         <p:blipFill>
-          <a:blip r:embed="rId4"/>
+          <a:blip r:embed="rId5"/>
           <a:stretch>
             <a:fillRect/>
           </a:stretch>
         </p:blipFill>
         <p:spPr>
           <a:xfrm>
-            <a:off x="1383030" y="1425575"/>
-            <a:ext cx="3211507" cy="1795463"/>
+            <a:off x="2228850" y="2031241"/>
+            <a:ext cx="2257426" cy="1262063"/>
           </a:xfrm>
           <a:prstGeom prst="rect">
             <a:avLst/>
